--- a/Thực Tập/BAOCAOTHUCTAP.pptx
+++ b/Thực Tập/BAOCAOTHUCTAP.pptx
@@ -7,7 +7,7 @@
     <p:sldMasterId id="2147483653" r:id="rId3"/>
   </p:sldMasterIdLst>
   <p:notesMasterIdLst>
-    <p:notesMasterId r:id="rId12"/>
+    <p:notesMasterId r:id="rId14"/>
   </p:notesMasterIdLst>
   <p:sldIdLst>
     <p:sldId id="256" r:id="rId4"/>
@@ -16,8 +16,10 @@
     <p:sldId id="378" r:id="rId7"/>
     <p:sldId id="300" r:id="rId8"/>
     <p:sldId id="301" r:id="rId9"/>
-    <p:sldId id="281" r:id="rId10"/>
-    <p:sldId id="262" r:id="rId11"/>
+    <p:sldId id="379" r:id="rId10"/>
+    <p:sldId id="380" r:id="rId11"/>
+    <p:sldId id="281" r:id="rId12"/>
+    <p:sldId id="262" r:id="rId13"/>
   </p:sldIdLst>
   <p:sldSz cx="9144000" cy="5143500" type="screen16x9"/>
   <p:notesSz cx="6858000" cy="9144000"/>
@@ -217,7 +219,7 @@
           <a:p>
             <a:fld id="{80E3AB45-C9FF-4EC2-ADBB-FE9345416666}" type="datetimeFigureOut">
               <a:rPr lang="en-US" smtClean="0"/>
-              <a:t>1/19/2021</a:t>
+              <a:t>1/20/2021</a:t>
             </a:fld>
             <a:endParaRPr lang="en-US"/>
           </a:p>
@@ -7483,6 +7485,126 @@
   <p:clrMapOvr>
     <a:masterClrMapping/>
   </p:clrMapOvr>
+  <p:timing>
+    <p:tnLst>
+      <p:par>
+        <p:cTn id="1" dur="indefinite" restart="never" nodeType="tmRoot"/>
+      </p:par>
+    </p:tnLst>
+  </p:timing>
+</p:sld>
+</file>
+
+<file path=ppt/slides/slide10.xml><?xml version="1.0" encoding="utf-8"?>
+<p:sld xmlns:a="http://schemas.openxmlformats.org/drawingml/2006/main" xmlns:r="http://schemas.openxmlformats.org/officeDocument/2006/relationships" xmlns:p="http://schemas.openxmlformats.org/presentationml/2006/main">
+  <p:cSld>
+    <p:spTree>
+      <p:nvGrpSpPr>
+        <p:cNvPr id="1" name=""/>
+        <p:cNvGrpSpPr/>
+        <p:nvPr/>
+      </p:nvGrpSpPr>
+      <p:grpSpPr>
+        <a:xfrm>
+          <a:off x="0" y="0"/>
+          <a:ext cx="0" cy="0"/>
+          <a:chOff x="0" y="0"/>
+          <a:chExt cx="0" cy="0"/>
+        </a:xfrm>
+      </p:grpSpPr>
+      <p:sp>
+        <p:nvSpPr>
+          <p:cNvPr id="2" name="Text Placeholder 1"/>
+          <p:cNvSpPr>
+            <a:spLocks noGrp="1"/>
+          </p:cNvSpPr>
+          <p:nvPr>
+            <p:ph type="body" sz="quarter" idx="10"/>
+          </p:nvPr>
+        </p:nvSpPr>
+        <p:spPr>
+          <a:xfrm>
+            <a:off x="0" y="3561194"/>
+            <a:ext cx="9144000" cy="576063"/>
+          </a:xfrm>
+        </p:spPr>
+        <p:txBody>
+          <a:bodyPr/>
+          <a:lstStyle/>
+          <a:p>
+            <a:r>
+              <a:rPr lang="en-US" altLang="ko-KR" sz="3600" dirty="0" err="1"/>
+              <a:t>Cảm</a:t>
+            </a:r>
+            <a:r>
+              <a:rPr lang="en-US" altLang="ko-KR" sz="3600" dirty="0"/>
+              <a:t> </a:t>
+            </a:r>
+            <a:r>
+              <a:rPr lang="en-US" altLang="ko-KR" sz="3600" dirty="0" err="1"/>
+              <a:t>ơn</a:t>
+            </a:r>
+            <a:r>
+              <a:rPr lang="en-US" altLang="ko-KR" sz="3600" dirty="0"/>
+              <a:t> </a:t>
+            </a:r>
+            <a:r>
+              <a:rPr lang="en-US" altLang="ko-KR" sz="3600" dirty="0" err="1"/>
+              <a:t>thầy</a:t>
+            </a:r>
+            <a:r>
+              <a:rPr lang="en-US" altLang="ko-KR" sz="3600" dirty="0"/>
+              <a:t> </a:t>
+            </a:r>
+            <a:r>
+              <a:rPr lang="en-US" altLang="ko-KR" sz="3600" dirty="0" err="1"/>
+              <a:t>cô</a:t>
+            </a:r>
+            <a:r>
+              <a:rPr lang="en-US" altLang="ko-KR" sz="3600" dirty="0"/>
+              <a:t> </a:t>
+            </a:r>
+            <a:r>
+              <a:rPr lang="en-US" altLang="ko-KR" sz="3600" dirty="0" err="1"/>
+              <a:t>đã</a:t>
+            </a:r>
+            <a:r>
+              <a:rPr lang="en-US" altLang="ko-KR" sz="3600" dirty="0"/>
+              <a:t> </a:t>
+            </a:r>
+            <a:r>
+              <a:rPr lang="en-US" altLang="ko-KR" sz="3600" dirty="0" err="1"/>
+              <a:t>lắng</a:t>
+            </a:r>
+            <a:r>
+              <a:rPr lang="en-US" altLang="ko-KR" sz="3600" dirty="0"/>
+              <a:t> </a:t>
+            </a:r>
+            <a:r>
+              <a:rPr lang="en-US" altLang="ko-KR" sz="3600" dirty="0" err="1" smtClean="0"/>
+              <a:t>nghe</a:t>
+            </a:r>
+            <a:endParaRPr lang="ko-KR" altLang="en-US" sz="3600" dirty="0"/>
+          </a:p>
+        </p:txBody>
+      </p:sp>
+    </p:spTree>
+    <p:extLst>
+      <p:ext uri="{BB962C8B-B14F-4D97-AF65-F5344CB8AC3E}">
+        <p14:creationId xmlns:p14="http://schemas.microsoft.com/office/powerpoint/2010/main" val="61455909"/>
+      </p:ext>
+    </p:extLst>
+  </p:cSld>
+  <p:clrMapOvr>
+    <a:masterClrMapping/>
+  </p:clrMapOvr>
+  <p:timing>
+    <p:tnLst>
+      <p:par>
+        <p:cTn id="1" dur="indefinite" restart="never" nodeType="tmRoot"/>
+      </p:par>
+    </p:tnLst>
+  </p:timing>
 </p:sld>
 </file>
 
@@ -7813,7 +7935,7 @@
         </p:nvGrpSpPr>
         <p:grpSpPr>
           <a:xfrm>
-            <a:off x="3120330" y="2449551"/>
+            <a:off x="3108820" y="2444722"/>
             <a:ext cx="5256584" cy="720080"/>
             <a:chOff x="3120330" y="2449551"/>
             <a:chExt cx="5256584" cy="720080"/>
@@ -7998,7 +8120,7 @@
           </p:nvSpPr>
           <p:spPr>
             <a:xfrm>
-              <a:off x="3912339" y="2649606"/>
+              <a:off x="3840329" y="2649606"/>
               <a:ext cx="4392567" cy="307777"/>
             </a:xfrm>
             <a:prstGeom prst="rect">
@@ -8840,7 +8962,7 @@
         <p:spPr>
           <a:xfrm>
             <a:off x="3491880" y="1419622"/>
-            <a:ext cx="5472608" cy="2031325"/>
+            <a:ext cx="5472608" cy="2585323"/>
           </a:xfrm>
           <a:prstGeom prst="rect">
             <a:avLst/>
@@ -9026,14 +9148,24 @@
             </a:r>
           </a:p>
           <a:p>
+            <a:endParaRPr lang="en-US" dirty="0" smtClean="0"/>
+          </a:p>
+          <a:p>
             <a:pPr marL="285750" indent="-285750">
               <a:buFont typeface="Wingdings" panose="05000000000000000000" pitchFamily="2" charset="2"/>
               <a:buChar char="v"/>
             </a:pPr>
             <a:r>
               <a:rPr lang="en-US" dirty="0" smtClean="0"/>
-              <a:t>SEO – Marketing</a:t>
-            </a:r>
+              <a:t>SEO – </a:t>
+            </a:r>
+            <a:r>
+              <a:rPr lang="en-US" dirty="0" smtClean="0"/>
+              <a:t>Marketing</a:t>
+            </a:r>
+          </a:p>
+          <a:p>
+            <a:endParaRPr lang="en-US" dirty="0" smtClean="0"/>
           </a:p>
           <a:p>
             <a:pPr marL="285750" indent="-285750">
@@ -9512,7 +9644,7 @@
                                         <p:tgtEl>
                                           <p:spTgt spid="15">
                                             <p:txEl>
-                                              <p:pRg st="4" end="4"/>
+                                              <p:pRg st="5" end="5"/>
                                             </p:txEl>
                                           </p:spTgt>
                                         </p:tgtEl>
@@ -9530,7 +9662,7 @@
                                         <p:tgtEl>
                                           <p:spTgt spid="15">
                                             <p:txEl>
-                                              <p:pRg st="4" end="4"/>
+                                              <p:pRg st="5" end="5"/>
                                             </p:txEl>
                                           </p:spTgt>
                                         </p:tgtEl>
@@ -9557,7 +9689,7 @@
                                         <p:tgtEl>
                                           <p:spTgt spid="15">
                                             <p:txEl>
-                                              <p:pRg st="4" end="4"/>
+                                              <p:pRg st="5" end="5"/>
                                             </p:txEl>
                                           </p:spTgt>
                                         </p:tgtEl>
@@ -9615,7 +9747,7 @@
                                         <p:tgtEl>
                                           <p:spTgt spid="15">
                                             <p:txEl>
-                                              <p:pRg st="5" end="5"/>
+                                              <p:pRg st="7" end="7"/>
                                             </p:txEl>
                                           </p:spTgt>
                                         </p:tgtEl>
@@ -9633,7 +9765,7 @@
                                         <p:tgtEl>
                                           <p:spTgt spid="15">
                                             <p:txEl>
-                                              <p:pRg st="5" end="5"/>
+                                              <p:pRg st="7" end="7"/>
                                             </p:txEl>
                                           </p:spTgt>
                                         </p:tgtEl>
@@ -9660,7 +9792,7 @@
                                         <p:tgtEl>
                                           <p:spTgt spid="15">
                                             <p:txEl>
-                                              <p:pRg st="5" end="5"/>
+                                              <p:pRg st="7" end="7"/>
                                             </p:txEl>
                                           </p:spTgt>
                                         </p:tgtEl>
@@ -12042,20 +12174,6 @@
             <a:pPr marL="0" indent="0">
               <a:buNone/>
             </a:pPr>
-            <a:r>
-              <a:rPr lang="en-US" sz="7400" dirty="0"/>
-              <a:t>(http://mng.hoatech.vn</a:t>
-            </a:r>
-            <a:r>
-              <a:rPr lang="en-US" sz="7400" dirty="0" smtClean="0"/>
-              <a:t>/)</a:t>
-            </a:r>
-            <a:endParaRPr lang="en-US" sz="7400" dirty="0" smtClean="0"/>
-          </a:p>
-          <a:p>
-            <a:pPr marL="0" indent="0" algn="l">
-              <a:buNone/>
-            </a:pPr>
             <a:endParaRPr lang="en-US" sz="7400" dirty="0"/>
           </a:p>
           <a:p>
@@ -12067,7 +12185,6 @@
               <a:rPr lang="da-DK" sz="7400" dirty="0" smtClean="0"/>
               <a:t>Website công ty cửa cuốn SafeDoor</a:t>
             </a:r>
-            <a:endParaRPr lang="da-DK" sz="7400" dirty="0" smtClean="0"/>
           </a:p>
           <a:p>
             <a:pPr marL="0" indent="0">
@@ -12174,6 +12291,184 @@
           <a:lstStyle/>
           <a:p>
             <a:r>
+              <a:rPr lang="en-US" dirty="0" smtClean="0"/>
+              <a:t>Website </a:t>
+            </a:r>
+            <a:r>
+              <a:rPr lang="en-US" dirty="0" err="1" smtClean="0"/>
+              <a:t>Zakra</a:t>
+            </a:r>
+            <a:r>
+              <a:rPr lang="en-US" dirty="0" smtClean="0"/>
+              <a:t> Spa</a:t>
+            </a:r>
+            <a:endParaRPr lang="en-US" dirty="0"/>
+          </a:p>
+        </p:txBody>
+      </p:sp>
+      <p:pic>
+        <p:nvPicPr>
+          <p:cNvPr id="3" name="Picture 2"/>
+          <p:cNvPicPr>
+            <a:picLocks noChangeAspect="1"/>
+          </p:cNvPicPr>
+          <p:nvPr/>
+        </p:nvPicPr>
+        <p:blipFill rotWithShape="1">
+          <a:blip r:embed="rId2"/>
+          <a:srcRect t="6130" r="-406" b="3959"/>
+          <a:stretch/>
+        </p:blipFill>
+        <p:spPr>
+          <a:xfrm>
+            <a:off x="1043608" y="1131590"/>
+            <a:ext cx="7416824" cy="3240361"/>
+          </a:xfrm>
+          <a:prstGeom prst="rect">
+            <a:avLst/>
+          </a:prstGeom>
+        </p:spPr>
+      </p:pic>
+    </p:spTree>
+    <p:extLst>
+      <p:ext uri="{BB962C8B-B14F-4D97-AF65-F5344CB8AC3E}">
+        <p14:creationId xmlns:p14="http://schemas.microsoft.com/office/powerpoint/2010/main" val="452158544"/>
+      </p:ext>
+    </p:extLst>
+  </p:cSld>
+  <p:clrMapOvr>
+    <a:masterClrMapping/>
+  </p:clrMapOvr>
+  <p:timing>
+    <p:tnLst>
+      <p:par>
+        <p:cTn id="1" dur="indefinite" restart="never" nodeType="tmRoot"/>
+      </p:par>
+    </p:tnLst>
+  </p:timing>
+</p:sld>
+</file>
+
+<file path=ppt/slides/slide8.xml><?xml version="1.0" encoding="utf-8"?>
+<p:sld xmlns:a="http://schemas.openxmlformats.org/drawingml/2006/main" xmlns:r="http://schemas.openxmlformats.org/officeDocument/2006/relationships" xmlns:p="http://schemas.openxmlformats.org/presentationml/2006/main">
+  <p:cSld>
+    <p:spTree>
+      <p:nvGrpSpPr>
+        <p:cNvPr id="1" name=""/>
+        <p:cNvGrpSpPr/>
+        <p:nvPr/>
+      </p:nvGrpSpPr>
+      <p:grpSpPr>
+        <a:xfrm>
+          <a:off x="0" y="0"/>
+          <a:ext cx="0" cy="0"/>
+          <a:chOff x="0" y="0"/>
+          <a:chExt cx="0" cy="0"/>
+        </a:xfrm>
+      </p:grpSpPr>
+      <p:sp>
+        <p:nvSpPr>
+          <p:cNvPr id="2" name="Text Placeholder 1"/>
+          <p:cNvSpPr>
+            <a:spLocks noGrp="1"/>
+          </p:cNvSpPr>
+          <p:nvPr>
+            <p:ph type="body" sz="quarter" idx="10"/>
+          </p:nvPr>
+        </p:nvSpPr>
+        <p:spPr/>
+        <p:txBody>
+          <a:bodyPr/>
+          <a:lstStyle/>
+          <a:p>
+            <a:r>
+              <a:rPr lang="en-US" dirty="0" smtClean="0"/>
+              <a:t>Website </a:t>
+            </a:r>
+            <a:r>
+              <a:rPr lang="en-US" dirty="0" err="1" smtClean="0"/>
+              <a:t>SafedoorVN</a:t>
+            </a:r>
+            <a:endParaRPr lang="en-US" dirty="0"/>
+          </a:p>
+        </p:txBody>
+      </p:sp>
+      <p:pic>
+        <p:nvPicPr>
+          <p:cNvPr id="3" name="Picture 2"/>
+          <p:cNvPicPr>
+            <a:picLocks noChangeAspect="1"/>
+          </p:cNvPicPr>
+          <p:nvPr/>
+        </p:nvPicPr>
+        <p:blipFill rotWithShape="1">
+          <a:blip r:embed="rId2"/>
+          <a:srcRect t="5989" r="-363" b="2187"/>
+          <a:stretch/>
+        </p:blipFill>
+        <p:spPr>
+          <a:xfrm>
+            <a:off x="1475656" y="1059582"/>
+            <a:ext cx="6724259" cy="3460602"/>
+          </a:xfrm>
+          <a:prstGeom prst="rect">
+            <a:avLst/>
+          </a:prstGeom>
+        </p:spPr>
+      </p:pic>
+    </p:spTree>
+    <p:extLst>
+      <p:ext uri="{BB962C8B-B14F-4D97-AF65-F5344CB8AC3E}">
+        <p14:creationId xmlns:p14="http://schemas.microsoft.com/office/powerpoint/2010/main" val="3469424425"/>
+      </p:ext>
+    </p:extLst>
+  </p:cSld>
+  <p:clrMapOvr>
+    <a:masterClrMapping/>
+  </p:clrMapOvr>
+  <p:timing>
+    <p:tnLst>
+      <p:par>
+        <p:cTn id="1" dur="indefinite" restart="never" nodeType="tmRoot"/>
+      </p:par>
+    </p:tnLst>
+  </p:timing>
+</p:sld>
+</file>
+
+<file path=ppt/slides/slide9.xml><?xml version="1.0" encoding="utf-8"?>
+<p:sld xmlns:a="http://schemas.openxmlformats.org/drawingml/2006/main" xmlns:r="http://schemas.openxmlformats.org/officeDocument/2006/relationships" xmlns:p="http://schemas.openxmlformats.org/presentationml/2006/main">
+  <p:cSld>
+    <p:spTree>
+      <p:nvGrpSpPr>
+        <p:cNvPr id="1" name=""/>
+        <p:cNvGrpSpPr/>
+        <p:nvPr/>
+      </p:nvGrpSpPr>
+      <p:grpSpPr>
+        <a:xfrm>
+          <a:off x="0" y="0"/>
+          <a:ext cx="0" cy="0"/>
+          <a:chOff x="0" y="0"/>
+          <a:chExt cx="0" cy="0"/>
+        </a:xfrm>
+      </p:grpSpPr>
+      <p:sp>
+        <p:nvSpPr>
+          <p:cNvPr id="2" name="Text Placeholder 1"/>
+          <p:cNvSpPr>
+            <a:spLocks noGrp="1"/>
+          </p:cNvSpPr>
+          <p:nvPr>
+            <p:ph type="body" sz="quarter" idx="10"/>
+          </p:nvPr>
+        </p:nvSpPr>
+        <p:spPr/>
+        <p:txBody>
+          <a:bodyPr/>
+          <a:lstStyle/>
+          <a:p>
+            <a:r>
               <a:rPr lang="en-US" sz="3200" dirty="0" err="1"/>
               <a:t>Kết</a:t>
             </a:r>
@@ -12219,7 +12514,7 @@
         </p:nvSpPr>
         <p:spPr>
           <a:xfrm>
-            <a:off x="2242911" y="2926478"/>
+            <a:off x="2193999" y="2917649"/>
             <a:ext cx="1864384" cy="1477328"/>
           </a:xfrm>
           <a:prstGeom prst="rect">
@@ -12233,7 +12528,6 @@
           </a:bodyPr>
           <a:lstStyle/>
           <a:p>
-            <a:pPr algn="ctr"/>
             <a:r>
               <a:rPr lang="en-US" altLang="ko-KR" dirty="0" err="1" smtClean="0"/>
               <a:t>Hiểu</a:t>
@@ -13465,119 +13759,6 @@
     <p:extLst>
       <p:ext uri="{BB962C8B-B14F-4D97-AF65-F5344CB8AC3E}">
         <p14:creationId xmlns:p14="http://schemas.microsoft.com/office/powerpoint/2010/main" val="1736538919"/>
-      </p:ext>
-    </p:extLst>
-  </p:cSld>
-  <p:clrMapOvr>
-    <a:masterClrMapping/>
-  </p:clrMapOvr>
-  <p:timing>
-    <p:tnLst>
-      <p:par>
-        <p:cTn id="1" dur="indefinite" restart="never" nodeType="tmRoot"/>
-      </p:par>
-    </p:tnLst>
-  </p:timing>
-</p:sld>
-</file>
-
-<file path=ppt/slides/slide8.xml><?xml version="1.0" encoding="utf-8"?>
-<p:sld xmlns:a="http://schemas.openxmlformats.org/drawingml/2006/main" xmlns:r="http://schemas.openxmlformats.org/officeDocument/2006/relationships" xmlns:p="http://schemas.openxmlformats.org/presentationml/2006/main">
-  <p:cSld>
-    <p:spTree>
-      <p:nvGrpSpPr>
-        <p:cNvPr id="1" name=""/>
-        <p:cNvGrpSpPr/>
-        <p:nvPr/>
-      </p:nvGrpSpPr>
-      <p:grpSpPr>
-        <a:xfrm>
-          <a:off x="0" y="0"/>
-          <a:ext cx="0" cy="0"/>
-          <a:chOff x="0" y="0"/>
-          <a:chExt cx="0" cy="0"/>
-        </a:xfrm>
-      </p:grpSpPr>
-      <p:sp>
-        <p:nvSpPr>
-          <p:cNvPr id="2" name="Text Placeholder 1"/>
-          <p:cNvSpPr>
-            <a:spLocks noGrp="1"/>
-          </p:cNvSpPr>
-          <p:nvPr>
-            <p:ph type="body" sz="quarter" idx="10"/>
-          </p:nvPr>
-        </p:nvSpPr>
-        <p:spPr>
-          <a:xfrm>
-            <a:off x="0" y="3561194"/>
-            <a:ext cx="9144000" cy="576063"/>
-          </a:xfrm>
-        </p:spPr>
-        <p:txBody>
-          <a:bodyPr/>
-          <a:lstStyle/>
-          <a:p>
-            <a:r>
-              <a:rPr lang="en-US" altLang="ko-KR" sz="3600" dirty="0" err="1"/>
-              <a:t>Cảm</a:t>
-            </a:r>
-            <a:r>
-              <a:rPr lang="en-US" altLang="ko-KR" sz="3600" dirty="0"/>
-              <a:t> </a:t>
-            </a:r>
-            <a:r>
-              <a:rPr lang="en-US" altLang="ko-KR" sz="3600" dirty="0" err="1"/>
-              <a:t>ơn</a:t>
-            </a:r>
-            <a:r>
-              <a:rPr lang="en-US" altLang="ko-KR" sz="3600" dirty="0"/>
-              <a:t> </a:t>
-            </a:r>
-            <a:r>
-              <a:rPr lang="en-US" altLang="ko-KR" sz="3600" dirty="0" err="1"/>
-              <a:t>thầy</a:t>
-            </a:r>
-            <a:r>
-              <a:rPr lang="en-US" altLang="ko-KR" sz="3600" dirty="0"/>
-              <a:t> </a:t>
-            </a:r>
-            <a:r>
-              <a:rPr lang="en-US" altLang="ko-KR" sz="3600" dirty="0" err="1"/>
-              <a:t>cô</a:t>
-            </a:r>
-            <a:r>
-              <a:rPr lang="en-US" altLang="ko-KR" sz="3600" dirty="0"/>
-              <a:t> </a:t>
-            </a:r>
-            <a:r>
-              <a:rPr lang="en-US" altLang="ko-KR" sz="3600" dirty="0" err="1"/>
-              <a:t>đã</a:t>
-            </a:r>
-            <a:r>
-              <a:rPr lang="en-US" altLang="ko-KR" sz="3600" dirty="0"/>
-              <a:t> </a:t>
-            </a:r>
-            <a:r>
-              <a:rPr lang="en-US" altLang="ko-KR" sz="3600" dirty="0" err="1"/>
-              <a:t>lắng</a:t>
-            </a:r>
-            <a:r>
-              <a:rPr lang="en-US" altLang="ko-KR" sz="3600" dirty="0"/>
-              <a:t> </a:t>
-            </a:r>
-            <a:r>
-              <a:rPr lang="en-US" altLang="ko-KR" sz="3600" dirty="0" err="1" smtClean="0"/>
-              <a:t>nghe</a:t>
-            </a:r>
-            <a:endParaRPr lang="ko-KR" altLang="en-US" sz="3600" dirty="0"/>
-          </a:p>
-        </p:txBody>
-      </p:sp>
-    </p:spTree>
-    <p:extLst>
-      <p:ext uri="{BB962C8B-B14F-4D97-AF65-F5344CB8AC3E}">
-        <p14:creationId xmlns:p14="http://schemas.microsoft.com/office/powerpoint/2010/main" val="61455909"/>
       </p:ext>
     </p:extLst>
   </p:cSld>

--- a/Thực Tập/BAOCAOTHUCTAP.pptx
+++ b/Thực Tập/BAOCAOTHUCTAP.pptx
@@ -615,7 +615,7 @@
           <a:lstStyle/>
           <a:p>
             <a:r>
-              <a:rPr lang="vi-VN" sz="1200" kern="1200" dirty="0" smtClean="0">
+              <a:rPr lang="en-US" sz="1200" kern="1200" dirty="0" err="1" smtClean="0">
                 <a:solidFill>
                   <a:schemeClr val="tx1"/>
                 </a:solidFill>
@@ -624,8 +624,1485 @@
                 <a:ea typeface="+mn-ea"/>
                 <a:cs typeface="+mn-cs"/>
               </a:rPr>
-              <a:t>Công ty TNHH Thương Mại Dịch Vụ Hoa Technology đang tập trung chủ yếu đào tạo chuyên sâu về các khóa học thiết kế website, SEO – Marketing và khóa học thiết kế đồ họa. Công ty cũng đang thực hiện thiết kế các website theo đơn đặt hàng của các khách hàng trong nước, các doanh nghiệp, các tổ chức chính phủ nhà nước. Thực hiện các dịch vụ về SEO theo yêu cầu của khách hàng. Thực hiện quảng cáo lên google và facebook khi khách hàng yêu cầu. Phát triển phần mềm ứng dụng theo yêu cầu của khách hàng trong và ngoài nước như quản lý nhân sự, học trực tuyến, mua sắm online,… Làm những dịch vụ trong khả năng của công ty có thể đáp ứng và được và làm đúng theo những điều được pháp luật cho phép…</a:t>
-            </a:r>
+              <a:t>Công</a:t>
+            </a:r>
+            <a:r>
+              <a:rPr lang="en-US" sz="1200" kern="1200" baseline="0" dirty="0" smtClean="0">
+                <a:solidFill>
+                  <a:schemeClr val="tx1"/>
+                </a:solidFill>
+                <a:effectLst/>
+                <a:latin typeface="+mn-lt"/>
+                <a:ea typeface="+mn-ea"/>
+                <a:cs typeface="+mn-cs"/>
+              </a:rPr>
+              <a:t> ty </a:t>
+            </a:r>
+            <a:r>
+              <a:rPr lang="en-US" sz="1200" kern="1200" baseline="0" dirty="0" err="1" smtClean="0">
+                <a:solidFill>
+                  <a:schemeClr val="tx1"/>
+                </a:solidFill>
+                <a:effectLst/>
+                <a:latin typeface="+mn-lt"/>
+                <a:ea typeface="+mn-ea"/>
+                <a:cs typeface="+mn-cs"/>
+              </a:rPr>
+              <a:t>cung</a:t>
+            </a:r>
+            <a:r>
+              <a:rPr lang="en-US" sz="1200" kern="1200" baseline="0" dirty="0" smtClean="0">
+                <a:solidFill>
+                  <a:schemeClr val="tx1"/>
+                </a:solidFill>
+                <a:effectLst/>
+                <a:latin typeface="+mn-lt"/>
+                <a:ea typeface="+mn-ea"/>
+                <a:cs typeface="+mn-cs"/>
+              </a:rPr>
+              <a:t> </a:t>
+            </a:r>
+            <a:r>
+              <a:rPr lang="en-US" sz="1200" kern="1200" baseline="0" dirty="0" err="1" smtClean="0">
+                <a:solidFill>
+                  <a:schemeClr val="tx1"/>
+                </a:solidFill>
+                <a:effectLst/>
+                <a:latin typeface="+mn-lt"/>
+                <a:ea typeface="+mn-ea"/>
+                <a:cs typeface="+mn-cs"/>
+              </a:rPr>
+              <a:t>cấp</a:t>
+            </a:r>
+            <a:r>
+              <a:rPr lang="en-US" sz="1200" kern="1200" baseline="0" dirty="0" smtClean="0">
+                <a:solidFill>
+                  <a:schemeClr val="tx1"/>
+                </a:solidFill>
+                <a:effectLst/>
+                <a:latin typeface="+mn-lt"/>
+                <a:ea typeface="+mn-ea"/>
+                <a:cs typeface="+mn-cs"/>
+              </a:rPr>
+              <a:t> </a:t>
+            </a:r>
+            <a:r>
+              <a:rPr lang="en-US" sz="1200" kern="1200" baseline="0" dirty="0" err="1" smtClean="0">
+                <a:solidFill>
+                  <a:schemeClr val="tx1"/>
+                </a:solidFill>
+                <a:effectLst/>
+                <a:latin typeface="+mn-lt"/>
+                <a:ea typeface="+mn-ea"/>
+                <a:cs typeface="+mn-cs"/>
+              </a:rPr>
+              <a:t>các</a:t>
+            </a:r>
+            <a:r>
+              <a:rPr lang="en-US" sz="1200" kern="1200" baseline="0" dirty="0" smtClean="0">
+                <a:solidFill>
+                  <a:schemeClr val="tx1"/>
+                </a:solidFill>
+                <a:effectLst/>
+                <a:latin typeface="+mn-lt"/>
+                <a:ea typeface="+mn-ea"/>
+                <a:cs typeface="+mn-cs"/>
+              </a:rPr>
+              <a:t> </a:t>
+            </a:r>
+            <a:r>
+              <a:rPr lang="en-US" sz="1200" kern="1200" baseline="0" dirty="0" err="1" smtClean="0">
+                <a:solidFill>
+                  <a:schemeClr val="tx1"/>
+                </a:solidFill>
+                <a:effectLst/>
+                <a:latin typeface="+mn-lt"/>
+                <a:ea typeface="+mn-ea"/>
+                <a:cs typeface="+mn-cs"/>
+              </a:rPr>
+              <a:t>dịch</a:t>
+            </a:r>
+            <a:r>
+              <a:rPr lang="en-US" sz="1200" kern="1200" baseline="0" dirty="0" smtClean="0">
+                <a:solidFill>
+                  <a:schemeClr val="tx1"/>
+                </a:solidFill>
+                <a:effectLst/>
+                <a:latin typeface="+mn-lt"/>
+                <a:ea typeface="+mn-ea"/>
+                <a:cs typeface="+mn-cs"/>
+              </a:rPr>
+              <a:t> </a:t>
+            </a:r>
+            <a:r>
+              <a:rPr lang="en-US" sz="1200" kern="1200" baseline="0" dirty="0" err="1" smtClean="0">
+                <a:solidFill>
+                  <a:schemeClr val="tx1"/>
+                </a:solidFill>
+                <a:effectLst/>
+                <a:latin typeface="+mn-lt"/>
+                <a:ea typeface="+mn-ea"/>
+                <a:cs typeface="+mn-cs"/>
+              </a:rPr>
+              <a:t>vụ</a:t>
+            </a:r>
+            <a:r>
+              <a:rPr lang="en-US" sz="1200" kern="1200" baseline="0" dirty="0" smtClean="0">
+                <a:solidFill>
+                  <a:schemeClr val="tx1"/>
+                </a:solidFill>
+                <a:effectLst/>
+                <a:latin typeface="+mn-lt"/>
+                <a:ea typeface="+mn-ea"/>
+                <a:cs typeface="+mn-cs"/>
+              </a:rPr>
+              <a:t> </a:t>
+            </a:r>
+            <a:r>
+              <a:rPr lang="en-US" sz="1200" kern="1200" baseline="0" dirty="0" err="1" smtClean="0">
+                <a:solidFill>
+                  <a:schemeClr val="tx1"/>
+                </a:solidFill>
+                <a:effectLst/>
+                <a:latin typeface="+mn-lt"/>
+                <a:ea typeface="+mn-ea"/>
+                <a:cs typeface="+mn-cs"/>
+              </a:rPr>
+              <a:t>về</a:t>
+            </a:r>
+            <a:r>
+              <a:rPr lang="en-US" sz="1200" kern="1200" baseline="0" dirty="0" smtClean="0">
+                <a:solidFill>
+                  <a:schemeClr val="tx1"/>
+                </a:solidFill>
+                <a:effectLst/>
+                <a:latin typeface="+mn-lt"/>
+                <a:ea typeface="+mn-ea"/>
+                <a:cs typeface="+mn-cs"/>
+              </a:rPr>
+              <a:t> Website </a:t>
+            </a:r>
+            <a:r>
+              <a:rPr lang="en-US" sz="1200" kern="1200" baseline="0" dirty="0" err="1" smtClean="0">
+                <a:solidFill>
+                  <a:schemeClr val="tx1"/>
+                </a:solidFill>
+                <a:effectLst/>
+                <a:latin typeface="+mn-lt"/>
+                <a:ea typeface="+mn-ea"/>
+                <a:cs typeface="+mn-cs"/>
+              </a:rPr>
+              <a:t>như</a:t>
+            </a:r>
+            <a:r>
+              <a:rPr lang="en-US" sz="1200" kern="1200" baseline="0" dirty="0" smtClean="0">
+                <a:solidFill>
+                  <a:schemeClr val="tx1"/>
+                </a:solidFill>
+                <a:effectLst/>
+                <a:latin typeface="+mn-lt"/>
+                <a:ea typeface="+mn-ea"/>
+                <a:cs typeface="+mn-cs"/>
+              </a:rPr>
+              <a:t> </a:t>
+            </a:r>
+            <a:r>
+              <a:rPr lang="en-US" sz="1200" kern="1200" baseline="0" dirty="0" err="1" smtClean="0">
+                <a:solidFill>
+                  <a:schemeClr val="tx1"/>
+                </a:solidFill>
+                <a:effectLst/>
+                <a:latin typeface="+mn-lt"/>
+                <a:ea typeface="+mn-ea"/>
+                <a:cs typeface="+mn-cs"/>
+              </a:rPr>
+              <a:t>thiết</a:t>
+            </a:r>
+            <a:r>
+              <a:rPr lang="en-US" sz="1200" kern="1200" baseline="0" dirty="0" smtClean="0">
+                <a:solidFill>
+                  <a:schemeClr val="tx1"/>
+                </a:solidFill>
+                <a:effectLst/>
+                <a:latin typeface="+mn-lt"/>
+                <a:ea typeface="+mn-ea"/>
+                <a:cs typeface="+mn-cs"/>
+              </a:rPr>
+              <a:t> </a:t>
+            </a:r>
+            <a:r>
+              <a:rPr lang="en-US" sz="1200" kern="1200" baseline="0" dirty="0" err="1" smtClean="0">
+                <a:solidFill>
+                  <a:schemeClr val="tx1"/>
+                </a:solidFill>
+                <a:effectLst/>
+                <a:latin typeface="+mn-lt"/>
+                <a:ea typeface="+mn-ea"/>
+                <a:cs typeface="+mn-cs"/>
+              </a:rPr>
+              <a:t>kế</a:t>
+            </a:r>
+            <a:r>
+              <a:rPr lang="en-US" sz="1200" kern="1200" baseline="0" dirty="0" smtClean="0">
+                <a:solidFill>
+                  <a:schemeClr val="tx1"/>
+                </a:solidFill>
+                <a:effectLst/>
+                <a:latin typeface="+mn-lt"/>
+                <a:ea typeface="+mn-ea"/>
+                <a:cs typeface="+mn-cs"/>
+              </a:rPr>
+              <a:t>: ở </a:t>
+            </a:r>
+            <a:r>
+              <a:rPr lang="en-US" sz="1200" kern="1200" baseline="0" dirty="0" err="1" smtClean="0">
+                <a:solidFill>
+                  <a:schemeClr val="tx1"/>
+                </a:solidFill>
+                <a:effectLst/>
+                <a:latin typeface="+mn-lt"/>
+                <a:ea typeface="+mn-ea"/>
+                <a:cs typeface="+mn-cs"/>
+              </a:rPr>
+              <a:t>các</a:t>
+            </a:r>
+            <a:r>
+              <a:rPr lang="en-US" sz="1200" kern="1200" baseline="0" dirty="0" smtClean="0">
+                <a:solidFill>
+                  <a:schemeClr val="tx1"/>
+                </a:solidFill>
+                <a:effectLst/>
+                <a:latin typeface="+mn-lt"/>
+                <a:ea typeface="+mn-ea"/>
+                <a:cs typeface="+mn-cs"/>
+              </a:rPr>
+              <a:t> website </a:t>
+            </a:r>
+            <a:r>
+              <a:rPr lang="en-US" sz="1200" kern="1200" baseline="0" dirty="0" err="1" smtClean="0">
+                <a:solidFill>
+                  <a:schemeClr val="tx1"/>
+                </a:solidFill>
+                <a:effectLst/>
+                <a:latin typeface="+mn-lt"/>
+                <a:ea typeface="+mn-ea"/>
+                <a:cs typeface="+mn-cs"/>
+              </a:rPr>
+              <a:t>cho</a:t>
+            </a:r>
+            <a:r>
+              <a:rPr lang="en-US" sz="1200" kern="1200" baseline="0" dirty="0" smtClean="0">
+                <a:solidFill>
+                  <a:schemeClr val="tx1"/>
+                </a:solidFill>
+                <a:effectLst/>
+                <a:latin typeface="+mn-lt"/>
+                <a:ea typeface="+mn-ea"/>
+                <a:cs typeface="+mn-cs"/>
+              </a:rPr>
+              <a:t> </a:t>
+            </a:r>
+            <a:r>
+              <a:rPr lang="en-US" sz="1200" kern="1200" baseline="0" dirty="0" err="1" smtClean="0">
+                <a:solidFill>
+                  <a:schemeClr val="tx1"/>
+                </a:solidFill>
+                <a:effectLst/>
+                <a:latin typeface="+mn-lt"/>
+                <a:ea typeface="+mn-ea"/>
+                <a:cs typeface="+mn-cs"/>
+              </a:rPr>
+              <a:t>các</a:t>
+            </a:r>
+            <a:r>
+              <a:rPr lang="en-US" sz="1200" kern="1200" baseline="0" dirty="0" smtClean="0">
+                <a:solidFill>
+                  <a:schemeClr val="tx1"/>
+                </a:solidFill>
+                <a:effectLst/>
+                <a:latin typeface="+mn-lt"/>
+                <a:ea typeface="+mn-ea"/>
+                <a:cs typeface="+mn-cs"/>
+              </a:rPr>
+              <a:t> </a:t>
+            </a:r>
+            <a:r>
+              <a:rPr lang="en-US" sz="1200" kern="1200" baseline="0" dirty="0" err="1" smtClean="0">
+                <a:solidFill>
+                  <a:schemeClr val="tx1"/>
+                </a:solidFill>
+                <a:effectLst/>
+                <a:latin typeface="+mn-lt"/>
+                <a:ea typeface="+mn-ea"/>
+                <a:cs typeface="+mn-cs"/>
+              </a:rPr>
+              <a:t>đơn</a:t>
+            </a:r>
+            <a:r>
+              <a:rPr lang="en-US" sz="1200" kern="1200" baseline="0" dirty="0" smtClean="0">
+                <a:solidFill>
+                  <a:schemeClr val="tx1"/>
+                </a:solidFill>
+                <a:effectLst/>
+                <a:latin typeface="+mn-lt"/>
+                <a:ea typeface="+mn-ea"/>
+                <a:cs typeface="+mn-cs"/>
+              </a:rPr>
+              <a:t> </a:t>
+            </a:r>
+            <a:r>
+              <a:rPr lang="en-US" sz="1200" kern="1200" baseline="0" dirty="0" err="1" smtClean="0">
+                <a:solidFill>
+                  <a:schemeClr val="tx1"/>
+                </a:solidFill>
+                <a:effectLst/>
+                <a:latin typeface="+mn-lt"/>
+                <a:ea typeface="+mn-ea"/>
+                <a:cs typeface="+mn-cs"/>
+              </a:rPr>
+              <a:t>vị</a:t>
+            </a:r>
+            <a:r>
+              <a:rPr lang="en-US" sz="1200" kern="1200" baseline="0" dirty="0" smtClean="0">
+                <a:solidFill>
+                  <a:schemeClr val="tx1"/>
+                </a:solidFill>
+                <a:effectLst/>
+                <a:latin typeface="+mn-lt"/>
+                <a:ea typeface="+mn-ea"/>
+                <a:cs typeface="+mn-cs"/>
+              </a:rPr>
+              <a:t> </a:t>
+            </a:r>
+            <a:r>
+              <a:rPr lang="en-US" sz="1200" kern="1200" baseline="0" dirty="0" err="1" smtClean="0">
+                <a:solidFill>
+                  <a:schemeClr val="tx1"/>
+                </a:solidFill>
+                <a:effectLst/>
+                <a:latin typeface="+mn-lt"/>
+                <a:ea typeface="+mn-ea"/>
+                <a:cs typeface="+mn-cs"/>
+              </a:rPr>
+              <a:t>kinh</a:t>
+            </a:r>
+            <a:r>
+              <a:rPr lang="en-US" sz="1200" kern="1200" baseline="0" dirty="0" smtClean="0">
+                <a:solidFill>
+                  <a:schemeClr val="tx1"/>
+                </a:solidFill>
+                <a:effectLst/>
+                <a:latin typeface="+mn-lt"/>
+                <a:ea typeface="+mn-ea"/>
+                <a:cs typeface="+mn-cs"/>
+              </a:rPr>
+              <a:t> </a:t>
+            </a:r>
+            <a:r>
+              <a:rPr lang="en-US" sz="1200" kern="1200" baseline="0" dirty="0" err="1" smtClean="0">
+                <a:solidFill>
+                  <a:schemeClr val="tx1"/>
+                </a:solidFill>
+                <a:effectLst/>
+                <a:latin typeface="+mn-lt"/>
+                <a:ea typeface="+mn-ea"/>
+                <a:cs typeface="+mn-cs"/>
+              </a:rPr>
+              <a:t>doanh</a:t>
+            </a:r>
+            <a:r>
+              <a:rPr lang="en-US" sz="1200" kern="1200" baseline="0" dirty="0" smtClean="0">
+                <a:solidFill>
+                  <a:schemeClr val="tx1"/>
+                </a:solidFill>
+                <a:effectLst/>
+                <a:latin typeface="+mn-lt"/>
+                <a:ea typeface="+mn-ea"/>
+                <a:cs typeface="+mn-cs"/>
+              </a:rPr>
+              <a:t> </a:t>
+            </a:r>
+            <a:r>
+              <a:rPr lang="en-US" sz="1200" kern="1200" baseline="0" dirty="0" err="1" smtClean="0">
+                <a:solidFill>
+                  <a:schemeClr val="tx1"/>
+                </a:solidFill>
+                <a:effectLst/>
+                <a:latin typeface="+mn-lt"/>
+                <a:ea typeface="+mn-ea"/>
+                <a:cs typeface="+mn-cs"/>
+              </a:rPr>
+              <a:t>nhỏ</a:t>
+            </a:r>
+            <a:r>
+              <a:rPr lang="en-US" sz="1200" kern="1200" baseline="0" dirty="0" smtClean="0">
+                <a:solidFill>
+                  <a:schemeClr val="tx1"/>
+                </a:solidFill>
+                <a:effectLst/>
+                <a:latin typeface="+mn-lt"/>
+                <a:ea typeface="+mn-ea"/>
+                <a:cs typeface="+mn-cs"/>
+              </a:rPr>
+              <a:t> </a:t>
+            </a:r>
+            <a:r>
+              <a:rPr lang="en-US" sz="1200" kern="1200" baseline="0" dirty="0" err="1" smtClean="0">
+                <a:solidFill>
+                  <a:schemeClr val="tx1"/>
+                </a:solidFill>
+                <a:effectLst/>
+                <a:latin typeface="+mn-lt"/>
+                <a:ea typeface="+mn-ea"/>
+                <a:cs typeface="+mn-cs"/>
+              </a:rPr>
+              <a:t>lẻ</a:t>
+            </a:r>
+            <a:r>
+              <a:rPr lang="en-US" sz="1200" kern="1200" baseline="0" dirty="0" smtClean="0">
+                <a:solidFill>
+                  <a:schemeClr val="tx1"/>
+                </a:solidFill>
+                <a:effectLst/>
+                <a:latin typeface="+mn-lt"/>
+                <a:ea typeface="+mn-ea"/>
+                <a:cs typeface="+mn-cs"/>
+              </a:rPr>
+              <a:t> </a:t>
+            </a:r>
+            <a:r>
+              <a:rPr lang="en-US" sz="1200" kern="1200" baseline="0" dirty="0" err="1" smtClean="0">
+                <a:solidFill>
+                  <a:schemeClr val="tx1"/>
+                </a:solidFill>
+                <a:effectLst/>
+                <a:latin typeface="+mn-lt"/>
+                <a:ea typeface="+mn-ea"/>
+                <a:cs typeface="+mn-cs"/>
+              </a:rPr>
+              <a:t>thì</a:t>
+            </a:r>
+            <a:r>
+              <a:rPr lang="en-US" sz="1200" kern="1200" baseline="0" dirty="0" smtClean="0">
+                <a:solidFill>
+                  <a:schemeClr val="tx1"/>
+                </a:solidFill>
+                <a:effectLst/>
+                <a:latin typeface="+mn-lt"/>
+                <a:ea typeface="+mn-ea"/>
+                <a:cs typeface="+mn-cs"/>
+              </a:rPr>
+              <a:t> </a:t>
+            </a:r>
+            <a:r>
+              <a:rPr lang="en-US" sz="1200" kern="1200" baseline="0" dirty="0" err="1" smtClean="0">
+                <a:solidFill>
+                  <a:schemeClr val="tx1"/>
+                </a:solidFill>
+                <a:effectLst/>
+                <a:latin typeface="+mn-lt"/>
+                <a:ea typeface="+mn-ea"/>
+                <a:cs typeface="+mn-cs"/>
+              </a:rPr>
+              <a:t>thường</a:t>
+            </a:r>
+            <a:r>
+              <a:rPr lang="en-US" sz="1200" kern="1200" baseline="0" dirty="0" smtClean="0">
+                <a:solidFill>
+                  <a:schemeClr val="tx1"/>
+                </a:solidFill>
+                <a:effectLst/>
+                <a:latin typeface="+mn-lt"/>
+                <a:ea typeface="+mn-ea"/>
+                <a:cs typeface="+mn-cs"/>
+              </a:rPr>
+              <a:t> </a:t>
+            </a:r>
+            <a:r>
+              <a:rPr lang="en-US" sz="1200" kern="1200" baseline="0" dirty="0" err="1" smtClean="0">
+                <a:solidFill>
+                  <a:schemeClr val="tx1"/>
+                </a:solidFill>
+                <a:effectLst/>
+                <a:latin typeface="+mn-lt"/>
+                <a:ea typeface="+mn-ea"/>
+                <a:cs typeface="+mn-cs"/>
+              </a:rPr>
+              <a:t>dùng</a:t>
+            </a:r>
+            <a:r>
+              <a:rPr lang="en-US" sz="1200" kern="1200" baseline="0" dirty="0" smtClean="0">
+                <a:solidFill>
+                  <a:schemeClr val="tx1"/>
+                </a:solidFill>
+                <a:effectLst/>
+                <a:latin typeface="+mn-lt"/>
+                <a:ea typeface="+mn-ea"/>
+                <a:cs typeface="+mn-cs"/>
+              </a:rPr>
+              <a:t> </a:t>
+            </a:r>
+            <a:r>
+              <a:rPr lang="en-US" sz="1200" kern="1200" baseline="0" dirty="0" err="1" smtClean="0">
+                <a:solidFill>
+                  <a:schemeClr val="tx1"/>
+                </a:solidFill>
+                <a:effectLst/>
+                <a:latin typeface="+mn-lt"/>
+                <a:ea typeface="+mn-ea"/>
+                <a:cs typeface="+mn-cs"/>
+              </a:rPr>
+              <a:t>wordpress</a:t>
+            </a:r>
+            <a:r>
+              <a:rPr lang="en-US" sz="1200" kern="1200" baseline="0" dirty="0" smtClean="0">
+                <a:solidFill>
+                  <a:schemeClr val="tx1"/>
+                </a:solidFill>
+                <a:effectLst/>
+                <a:latin typeface="+mn-lt"/>
+                <a:ea typeface="+mn-ea"/>
+                <a:cs typeface="+mn-cs"/>
+              </a:rPr>
+              <a:t> </a:t>
+            </a:r>
+            <a:r>
+              <a:rPr lang="en-US" sz="1200" kern="1200" baseline="0" dirty="0" err="1" smtClean="0">
+                <a:solidFill>
+                  <a:schemeClr val="tx1"/>
+                </a:solidFill>
+                <a:effectLst/>
+                <a:latin typeface="+mn-lt"/>
+                <a:ea typeface="+mn-ea"/>
+                <a:cs typeface="+mn-cs"/>
+              </a:rPr>
+              <a:t>để</a:t>
+            </a:r>
+            <a:r>
+              <a:rPr lang="en-US" sz="1200" kern="1200" baseline="0" dirty="0" smtClean="0">
+                <a:solidFill>
+                  <a:schemeClr val="tx1"/>
+                </a:solidFill>
+                <a:effectLst/>
+                <a:latin typeface="+mn-lt"/>
+                <a:ea typeface="+mn-ea"/>
+                <a:cs typeface="+mn-cs"/>
+              </a:rPr>
+              <a:t> </a:t>
+            </a:r>
+            <a:r>
+              <a:rPr lang="en-US" sz="1200" kern="1200" baseline="0" dirty="0" err="1" smtClean="0">
+                <a:solidFill>
+                  <a:schemeClr val="tx1"/>
+                </a:solidFill>
+                <a:effectLst/>
+                <a:latin typeface="+mn-lt"/>
+                <a:ea typeface="+mn-ea"/>
+                <a:cs typeface="+mn-cs"/>
+              </a:rPr>
+              <a:t>thiết</a:t>
+            </a:r>
+            <a:r>
+              <a:rPr lang="en-US" sz="1200" kern="1200" baseline="0" dirty="0" smtClean="0">
+                <a:solidFill>
+                  <a:schemeClr val="tx1"/>
+                </a:solidFill>
+                <a:effectLst/>
+                <a:latin typeface="+mn-lt"/>
+                <a:ea typeface="+mn-ea"/>
+                <a:cs typeface="+mn-cs"/>
+              </a:rPr>
+              <a:t> </a:t>
+            </a:r>
+            <a:r>
+              <a:rPr lang="en-US" sz="1200" kern="1200" baseline="0" dirty="0" err="1" smtClean="0">
+                <a:solidFill>
+                  <a:schemeClr val="tx1"/>
+                </a:solidFill>
+                <a:effectLst/>
+                <a:latin typeface="+mn-lt"/>
+                <a:ea typeface="+mn-ea"/>
+                <a:cs typeface="+mn-cs"/>
+              </a:rPr>
+              <a:t>kế</a:t>
+            </a:r>
+            <a:r>
+              <a:rPr lang="en-US" sz="1200" kern="1200" baseline="0" dirty="0" smtClean="0">
+                <a:solidFill>
+                  <a:schemeClr val="tx1"/>
+                </a:solidFill>
+                <a:effectLst/>
+                <a:latin typeface="+mn-lt"/>
+                <a:ea typeface="+mn-ea"/>
+                <a:cs typeface="+mn-cs"/>
+              </a:rPr>
+              <a:t>, </a:t>
+            </a:r>
+            <a:r>
+              <a:rPr lang="en-US" sz="1200" kern="1200" baseline="0" dirty="0" err="1" smtClean="0">
+                <a:solidFill>
+                  <a:schemeClr val="tx1"/>
+                </a:solidFill>
+                <a:effectLst/>
+                <a:latin typeface="+mn-lt"/>
+                <a:ea typeface="+mn-ea"/>
+                <a:cs typeface="+mn-cs"/>
+              </a:rPr>
+              <a:t>còn</a:t>
+            </a:r>
+            <a:r>
+              <a:rPr lang="en-US" sz="1200" kern="1200" baseline="0" dirty="0" smtClean="0">
+                <a:solidFill>
+                  <a:schemeClr val="tx1"/>
+                </a:solidFill>
+                <a:effectLst/>
+                <a:latin typeface="+mn-lt"/>
+                <a:ea typeface="+mn-ea"/>
+                <a:cs typeface="+mn-cs"/>
+              </a:rPr>
+              <a:t> </a:t>
+            </a:r>
+            <a:r>
+              <a:rPr lang="en-US" sz="1200" kern="1200" baseline="0" dirty="0" err="1" smtClean="0">
+                <a:solidFill>
+                  <a:schemeClr val="tx1"/>
+                </a:solidFill>
+                <a:effectLst/>
+                <a:latin typeface="+mn-lt"/>
+                <a:ea typeface="+mn-ea"/>
+                <a:cs typeface="+mn-cs"/>
+              </a:rPr>
+              <a:t>các</a:t>
+            </a:r>
+            <a:r>
+              <a:rPr lang="en-US" sz="1200" kern="1200" baseline="0" dirty="0" smtClean="0">
+                <a:solidFill>
+                  <a:schemeClr val="tx1"/>
+                </a:solidFill>
+                <a:effectLst/>
+                <a:latin typeface="+mn-lt"/>
+                <a:ea typeface="+mn-ea"/>
+                <a:cs typeface="+mn-cs"/>
+              </a:rPr>
+              <a:t> </a:t>
+            </a:r>
+            <a:r>
+              <a:rPr lang="en-US" sz="1200" kern="1200" baseline="0" dirty="0" err="1" smtClean="0">
+                <a:solidFill>
+                  <a:schemeClr val="tx1"/>
+                </a:solidFill>
+                <a:effectLst/>
+                <a:latin typeface="+mn-lt"/>
+                <a:ea typeface="+mn-ea"/>
+                <a:cs typeface="+mn-cs"/>
+              </a:rPr>
+              <a:t>yêu</a:t>
+            </a:r>
+            <a:r>
+              <a:rPr lang="en-US" sz="1200" kern="1200" baseline="0" dirty="0" smtClean="0">
+                <a:solidFill>
+                  <a:schemeClr val="tx1"/>
+                </a:solidFill>
+                <a:effectLst/>
+                <a:latin typeface="+mn-lt"/>
+                <a:ea typeface="+mn-ea"/>
+                <a:cs typeface="+mn-cs"/>
+              </a:rPr>
+              <a:t> </a:t>
+            </a:r>
+            <a:r>
+              <a:rPr lang="en-US" sz="1200" kern="1200" baseline="0" dirty="0" err="1" smtClean="0">
+                <a:solidFill>
+                  <a:schemeClr val="tx1"/>
+                </a:solidFill>
+                <a:effectLst/>
+                <a:latin typeface="+mn-lt"/>
+                <a:ea typeface="+mn-ea"/>
+                <a:cs typeface="+mn-cs"/>
+              </a:rPr>
+              <a:t>cầu</a:t>
+            </a:r>
+            <a:r>
+              <a:rPr lang="en-US" sz="1200" kern="1200" baseline="0" dirty="0" smtClean="0">
+                <a:solidFill>
+                  <a:schemeClr val="tx1"/>
+                </a:solidFill>
+                <a:effectLst/>
+                <a:latin typeface="+mn-lt"/>
+                <a:ea typeface="+mn-ea"/>
+                <a:cs typeface="+mn-cs"/>
+              </a:rPr>
+              <a:t> </a:t>
+            </a:r>
+            <a:r>
+              <a:rPr lang="en-US" sz="1200" kern="1200" baseline="0" dirty="0" err="1" smtClean="0">
+                <a:solidFill>
+                  <a:schemeClr val="tx1"/>
+                </a:solidFill>
+                <a:effectLst/>
+                <a:latin typeface="+mn-lt"/>
+                <a:ea typeface="+mn-ea"/>
+                <a:cs typeface="+mn-cs"/>
+              </a:rPr>
+              <a:t>cao</a:t>
+            </a:r>
+            <a:r>
+              <a:rPr lang="en-US" sz="1200" kern="1200" baseline="0" dirty="0" smtClean="0">
+                <a:solidFill>
+                  <a:schemeClr val="tx1"/>
+                </a:solidFill>
+                <a:effectLst/>
+                <a:latin typeface="+mn-lt"/>
+                <a:ea typeface="+mn-ea"/>
+                <a:cs typeface="+mn-cs"/>
+              </a:rPr>
+              <a:t> </a:t>
+            </a:r>
+            <a:r>
+              <a:rPr lang="en-US" sz="1200" kern="1200" baseline="0" dirty="0" err="1" smtClean="0">
+                <a:solidFill>
+                  <a:schemeClr val="tx1"/>
+                </a:solidFill>
+                <a:effectLst/>
+                <a:latin typeface="+mn-lt"/>
+                <a:ea typeface="+mn-ea"/>
+                <a:cs typeface="+mn-cs"/>
+              </a:rPr>
+              <a:t>hơn</a:t>
+            </a:r>
+            <a:r>
+              <a:rPr lang="en-US" sz="1200" kern="1200" baseline="0" dirty="0" smtClean="0">
+                <a:solidFill>
+                  <a:schemeClr val="tx1"/>
+                </a:solidFill>
+                <a:effectLst/>
+                <a:latin typeface="+mn-lt"/>
+                <a:ea typeface="+mn-ea"/>
+                <a:cs typeface="+mn-cs"/>
+              </a:rPr>
+              <a:t> </a:t>
+            </a:r>
+            <a:r>
+              <a:rPr lang="en-US" sz="1200" kern="1200" baseline="0" dirty="0" err="1" smtClean="0">
+                <a:solidFill>
+                  <a:schemeClr val="tx1"/>
+                </a:solidFill>
+                <a:effectLst/>
+                <a:latin typeface="+mn-lt"/>
+                <a:ea typeface="+mn-ea"/>
+                <a:cs typeface="+mn-cs"/>
+              </a:rPr>
+              <a:t>thì</a:t>
+            </a:r>
+            <a:r>
+              <a:rPr lang="en-US" sz="1200" kern="1200" baseline="0" dirty="0" smtClean="0">
+                <a:solidFill>
+                  <a:schemeClr val="tx1"/>
+                </a:solidFill>
+                <a:effectLst/>
+                <a:latin typeface="+mn-lt"/>
+                <a:ea typeface="+mn-ea"/>
+                <a:cs typeface="+mn-cs"/>
+              </a:rPr>
+              <a:t> </a:t>
+            </a:r>
+            <a:r>
+              <a:rPr lang="en-US" sz="1200" kern="1200" baseline="0" dirty="0" err="1" smtClean="0">
+                <a:solidFill>
+                  <a:schemeClr val="tx1"/>
+                </a:solidFill>
+                <a:effectLst/>
+                <a:latin typeface="+mn-lt"/>
+                <a:ea typeface="+mn-ea"/>
+                <a:cs typeface="+mn-cs"/>
+              </a:rPr>
+              <a:t>áp</a:t>
+            </a:r>
+            <a:r>
+              <a:rPr lang="en-US" sz="1200" kern="1200" baseline="0" dirty="0" smtClean="0">
+                <a:solidFill>
+                  <a:schemeClr val="tx1"/>
+                </a:solidFill>
+                <a:effectLst/>
+                <a:latin typeface="+mn-lt"/>
+                <a:ea typeface="+mn-ea"/>
+                <a:cs typeface="+mn-cs"/>
+              </a:rPr>
+              <a:t> </a:t>
+            </a:r>
+            <a:r>
+              <a:rPr lang="en-US" sz="1200" kern="1200" baseline="0" dirty="0" err="1" smtClean="0">
+                <a:solidFill>
+                  <a:schemeClr val="tx1"/>
+                </a:solidFill>
+                <a:effectLst/>
+                <a:latin typeface="+mn-lt"/>
+                <a:ea typeface="+mn-ea"/>
+                <a:cs typeface="+mn-cs"/>
+              </a:rPr>
+              <a:t>dụng</a:t>
+            </a:r>
+            <a:r>
+              <a:rPr lang="en-US" sz="1200" kern="1200" baseline="0" dirty="0" smtClean="0">
+                <a:solidFill>
+                  <a:schemeClr val="tx1"/>
+                </a:solidFill>
+                <a:effectLst/>
+                <a:latin typeface="+mn-lt"/>
+                <a:ea typeface="+mn-ea"/>
+                <a:cs typeface="+mn-cs"/>
+              </a:rPr>
+              <a:t> </a:t>
+            </a:r>
+            <a:r>
+              <a:rPr lang="en-US" sz="1200" kern="1200" baseline="0" dirty="0" err="1" smtClean="0">
+                <a:solidFill>
+                  <a:schemeClr val="tx1"/>
+                </a:solidFill>
+                <a:effectLst/>
+                <a:latin typeface="+mn-lt"/>
+                <a:ea typeface="+mn-ea"/>
+                <a:cs typeface="+mn-cs"/>
+              </a:rPr>
+              <a:t>Laravel</a:t>
+            </a:r>
+            <a:r>
+              <a:rPr lang="en-US" sz="1200" kern="1200" baseline="0" dirty="0" smtClean="0">
+                <a:solidFill>
+                  <a:schemeClr val="tx1"/>
+                </a:solidFill>
+                <a:effectLst/>
+                <a:latin typeface="+mn-lt"/>
+                <a:ea typeface="+mn-ea"/>
+                <a:cs typeface="+mn-cs"/>
+              </a:rPr>
+              <a:t> Framework, </a:t>
+            </a:r>
+            <a:r>
+              <a:rPr lang="en-US" sz="1200" kern="1200" baseline="0" dirty="0" err="1" smtClean="0">
+                <a:solidFill>
+                  <a:schemeClr val="tx1"/>
+                </a:solidFill>
+                <a:effectLst/>
+                <a:latin typeface="+mn-lt"/>
+                <a:ea typeface="+mn-ea"/>
+                <a:cs typeface="+mn-cs"/>
+              </a:rPr>
+              <a:t>các</a:t>
+            </a:r>
+            <a:r>
+              <a:rPr lang="en-US" sz="1200" kern="1200" baseline="0" dirty="0" smtClean="0">
+                <a:solidFill>
+                  <a:schemeClr val="tx1"/>
+                </a:solidFill>
+                <a:effectLst/>
+                <a:latin typeface="+mn-lt"/>
+                <a:ea typeface="+mn-ea"/>
+                <a:cs typeface="+mn-cs"/>
+              </a:rPr>
+              <a:t> website </a:t>
+            </a:r>
+            <a:r>
+              <a:rPr lang="en-US" sz="1200" kern="1200" baseline="0" dirty="0" err="1" smtClean="0">
+                <a:solidFill>
+                  <a:schemeClr val="tx1"/>
+                </a:solidFill>
+                <a:effectLst/>
+                <a:latin typeface="+mn-lt"/>
+                <a:ea typeface="+mn-ea"/>
+                <a:cs typeface="+mn-cs"/>
+              </a:rPr>
+              <a:t>nhỏ</a:t>
+            </a:r>
+            <a:r>
+              <a:rPr lang="en-US" sz="1200" kern="1200" baseline="0" dirty="0" smtClean="0">
+                <a:solidFill>
+                  <a:schemeClr val="tx1"/>
+                </a:solidFill>
+                <a:effectLst/>
+                <a:latin typeface="+mn-lt"/>
+                <a:ea typeface="+mn-ea"/>
+                <a:cs typeface="+mn-cs"/>
+              </a:rPr>
+              <a:t> ( </a:t>
+            </a:r>
+            <a:r>
+              <a:rPr lang="en-US" sz="1200" kern="1200" baseline="0" dirty="0" err="1" smtClean="0">
+                <a:solidFill>
+                  <a:schemeClr val="tx1"/>
+                </a:solidFill>
+                <a:effectLst/>
+                <a:latin typeface="+mn-lt"/>
+                <a:ea typeface="+mn-ea"/>
+                <a:cs typeface="+mn-cs"/>
+              </a:rPr>
+              <a:t>dưới</a:t>
+            </a:r>
+            <a:r>
+              <a:rPr lang="en-US" sz="1200" kern="1200" baseline="0" dirty="0" smtClean="0">
+                <a:solidFill>
+                  <a:schemeClr val="tx1"/>
+                </a:solidFill>
+                <a:effectLst/>
+                <a:latin typeface="+mn-lt"/>
+                <a:ea typeface="+mn-ea"/>
+                <a:cs typeface="+mn-cs"/>
+              </a:rPr>
+              <a:t> 9tr).</a:t>
+            </a:r>
+          </a:p>
+          <a:p>
+            <a:r>
+              <a:rPr lang="en-US" sz="1200" kern="1200" baseline="0" dirty="0" err="1" smtClean="0">
+                <a:solidFill>
+                  <a:schemeClr val="tx1"/>
+                </a:solidFill>
+                <a:effectLst/>
+                <a:latin typeface="+mn-lt"/>
+                <a:ea typeface="+mn-ea"/>
+                <a:cs typeface="+mn-cs"/>
+              </a:rPr>
+              <a:t>Lợi</a:t>
+            </a:r>
+            <a:r>
+              <a:rPr lang="en-US" sz="1200" kern="1200" baseline="0" dirty="0" smtClean="0">
+                <a:solidFill>
+                  <a:schemeClr val="tx1"/>
+                </a:solidFill>
+                <a:effectLst/>
+                <a:latin typeface="+mn-lt"/>
+                <a:ea typeface="+mn-ea"/>
+                <a:cs typeface="+mn-cs"/>
+              </a:rPr>
+              <a:t> </a:t>
+            </a:r>
+            <a:r>
+              <a:rPr lang="en-US" sz="1200" kern="1200" baseline="0" dirty="0" err="1" smtClean="0">
+                <a:solidFill>
+                  <a:schemeClr val="tx1"/>
+                </a:solidFill>
+                <a:effectLst/>
+                <a:latin typeface="+mn-lt"/>
+                <a:ea typeface="+mn-ea"/>
+                <a:cs typeface="+mn-cs"/>
+              </a:rPr>
+              <a:t>thế</a:t>
+            </a:r>
+            <a:r>
+              <a:rPr lang="en-US" sz="1200" kern="1200" baseline="0" dirty="0" smtClean="0">
+                <a:solidFill>
+                  <a:schemeClr val="tx1"/>
+                </a:solidFill>
+                <a:effectLst/>
+                <a:latin typeface="+mn-lt"/>
+                <a:ea typeface="+mn-ea"/>
+                <a:cs typeface="+mn-cs"/>
+              </a:rPr>
+              <a:t> </a:t>
+            </a:r>
+            <a:r>
+              <a:rPr lang="en-US" sz="1200" kern="1200" baseline="0" dirty="0" err="1" smtClean="0">
+                <a:solidFill>
+                  <a:schemeClr val="tx1"/>
+                </a:solidFill>
+                <a:effectLst/>
+                <a:latin typeface="+mn-lt"/>
+                <a:ea typeface="+mn-ea"/>
+                <a:cs typeface="+mn-cs"/>
+              </a:rPr>
+              <a:t>cạnh</a:t>
+            </a:r>
+            <a:r>
+              <a:rPr lang="en-US" sz="1200" kern="1200" baseline="0" dirty="0" smtClean="0">
+                <a:solidFill>
+                  <a:schemeClr val="tx1"/>
+                </a:solidFill>
+                <a:effectLst/>
+                <a:latin typeface="+mn-lt"/>
+                <a:ea typeface="+mn-ea"/>
+                <a:cs typeface="+mn-cs"/>
+              </a:rPr>
+              <a:t> </a:t>
+            </a:r>
+            <a:r>
+              <a:rPr lang="en-US" sz="1200" kern="1200" baseline="0" dirty="0" err="1" smtClean="0">
+                <a:solidFill>
+                  <a:schemeClr val="tx1"/>
+                </a:solidFill>
+                <a:effectLst/>
+                <a:latin typeface="+mn-lt"/>
+                <a:ea typeface="+mn-ea"/>
+                <a:cs typeface="+mn-cs"/>
+              </a:rPr>
+              <a:t>tranh</a:t>
+            </a:r>
+            <a:r>
+              <a:rPr lang="en-US" sz="1200" kern="1200" baseline="0" dirty="0" smtClean="0">
+                <a:solidFill>
+                  <a:schemeClr val="tx1"/>
+                </a:solidFill>
+                <a:effectLst/>
+                <a:latin typeface="+mn-lt"/>
+                <a:ea typeface="+mn-ea"/>
+                <a:cs typeface="+mn-cs"/>
+              </a:rPr>
+              <a:t> </a:t>
+            </a:r>
+            <a:r>
+              <a:rPr lang="en-US" sz="1200" kern="1200" baseline="0" dirty="0" err="1" smtClean="0">
+                <a:solidFill>
+                  <a:schemeClr val="tx1"/>
+                </a:solidFill>
+                <a:effectLst/>
+                <a:latin typeface="+mn-lt"/>
+                <a:ea typeface="+mn-ea"/>
+                <a:cs typeface="+mn-cs"/>
+              </a:rPr>
+              <a:t>của</a:t>
+            </a:r>
+            <a:r>
+              <a:rPr lang="en-US" sz="1200" kern="1200" baseline="0" dirty="0" smtClean="0">
+                <a:solidFill>
+                  <a:schemeClr val="tx1"/>
+                </a:solidFill>
+                <a:effectLst/>
+                <a:latin typeface="+mn-lt"/>
+                <a:ea typeface="+mn-ea"/>
+                <a:cs typeface="+mn-cs"/>
+              </a:rPr>
+              <a:t> </a:t>
+            </a:r>
+            <a:r>
+              <a:rPr lang="en-US" sz="1200" kern="1200" baseline="0" dirty="0" err="1" smtClean="0">
+                <a:solidFill>
+                  <a:schemeClr val="tx1"/>
+                </a:solidFill>
+                <a:effectLst/>
+                <a:latin typeface="+mn-lt"/>
+                <a:ea typeface="+mn-ea"/>
+                <a:cs typeface="+mn-cs"/>
+              </a:rPr>
+              <a:t>hoatech</a:t>
+            </a:r>
+            <a:r>
+              <a:rPr lang="en-US" sz="1200" kern="1200" baseline="0" dirty="0" smtClean="0">
+                <a:solidFill>
+                  <a:schemeClr val="tx1"/>
+                </a:solidFill>
+                <a:effectLst/>
+                <a:latin typeface="+mn-lt"/>
+                <a:ea typeface="+mn-ea"/>
+                <a:cs typeface="+mn-cs"/>
+              </a:rPr>
+              <a:t> </a:t>
+            </a:r>
+            <a:r>
+              <a:rPr lang="en-US" sz="1200" kern="1200" baseline="0" dirty="0" err="1" smtClean="0">
+                <a:solidFill>
+                  <a:schemeClr val="tx1"/>
+                </a:solidFill>
+                <a:effectLst/>
+                <a:latin typeface="+mn-lt"/>
+                <a:ea typeface="+mn-ea"/>
+                <a:cs typeface="+mn-cs"/>
+              </a:rPr>
+              <a:t>là</a:t>
+            </a:r>
+            <a:r>
+              <a:rPr lang="en-US" sz="1200" kern="1200" baseline="0" dirty="0" smtClean="0">
+                <a:solidFill>
+                  <a:schemeClr val="tx1"/>
+                </a:solidFill>
+                <a:effectLst/>
+                <a:latin typeface="+mn-lt"/>
+                <a:ea typeface="+mn-ea"/>
+                <a:cs typeface="+mn-cs"/>
+              </a:rPr>
+              <a:t> </a:t>
+            </a:r>
+            <a:r>
+              <a:rPr lang="en-US" sz="1200" kern="1200" baseline="0" dirty="0" err="1" smtClean="0">
+                <a:solidFill>
+                  <a:schemeClr val="tx1"/>
+                </a:solidFill>
+                <a:effectLst/>
+                <a:latin typeface="+mn-lt"/>
+                <a:ea typeface="+mn-ea"/>
+                <a:cs typeface="+mn-cs"/>
+              </a:rPr>
+              <a:t>có</a:t>
+            </a:r>
+            <a:r>
+              <a:rPr lang="en-US" sz="1200" kern="1200" baseline="0" dirty="0" smtClean="0">
+                <a:solidFill>
+                  <a:schemeClr val="tx1"/>
+                </a:solidFill>
+                <a:effectLst/>
+                <a:latin typeface="+mn-lt"/>
+                <a:ea typeface="+mn-ea"/>
+                <a:cs typeface="+mn-cs"/>
+              </a:rPr>
+              <a:t> </a:t>
+            </a:r>
+            <a:r>
+              <a:rPr lang="en-US" sz="1200" kern="1200" baseline="0" dirty="0" err="1" smtClean="0">
+                <a:solidFill>
+                  <a:schemeClr val="tx1"/>
+                </a:solidFill>
+                <a:effectLst/>
+                <a:latin typeface="+mn-lt"/>
+                <a:ea typeface="+mn-ea"/>
+                <a:cs typeface="+mn-cs"/>
+              </a:rPr>
+              <a:t>đội</a:t>
+            </a:r>
+            <a:r>
+              <a:rPr lang="en-US" sz="1200" kern="1200" baseline="0" dirty="0" smtClean="0">
+                <a:solidFill>
+                  <a:schemeClr val="tx1"/>
+                </a:solidFill>
+                <a:effectLst/>
+                <a:latin typeface="+mn-lt"/>
+                <a:ea typeface="+mn-ea"/>
+                <a:cs typeface="+mn-cs"/>
+              </a:rPr>
+              <a:t> </a:t>
+            </a:r>
+            <a:r>
+              <a:rPr lang="en-US" sz="1200" kern="1200" baseline="0" dirty="0" err="1" smtClean="0">
+                <a:solidFill>
+                  <a:schemeClr val="tx1"/>
+                </a:solidFill>
+                <a:effectLst/>
+                <a:latin typeface="+mn-lt"/>
+                <a:ea typeface="+mn-ea"/>
+                <a:cs typeface="+mn-cs"/>
+              </a:rPr>
+              <a:t>ngũ</a:t>
+            </a:r>
+            <a:r>
+              <a:rPr lang="en-US" sz="1200" kern="1200" baseline="0" dirty="0" smtClean="0">
+                <a:solidFill>
+                  <a:schemeClr val="tx1"/>
+                </a:solidFill>
+                <a:effectLst/>
+                <a:latin typeface="+mn-lt"/>
+                <a:ea typeface="+mn-ea"/>
+                <a:cs typeface="+mn-cs"/>
+              </a:rPr>
+              <a:t> SEO </a:t>
+            </a:r>
+            <a:r>
+              <a:rPr lang="en-US" sz="1200" kern="1200" baseline="0" dirty="0" err="1" smtClean="0">
+                <a:solidFill>
+                  <a:schemeClr val="tx1"/>
+                </a:solidFill>
+                <a:effectLst/>
+                <a:latin typeface="+mn-lt"/>
+                <a:ea typeface="+mn-ea"/>
+                <a:cs typeface="+mn-cs"/>
+              </a:rPr>
+              <a:t>giỏi</a:t>
+            </a:r>
+            <a:r>
+              <a:rPr lang="en-US" sz="1200" kern="1200" baseline="0" dirty="0" smtClean="0">
+                <a:solidFill>
+                  <a:schemeClr val="tx1"/>
+                </a:solidFill>
+                <a:effectLst/>
+                <a:latin typeface="+mn-lt"/>
+                <a:ea typeface="+mn-ea"/>
+                <a:cs typeface="+mn-cs"/>
+              </a:rPr>
+              <a:t>, </a:t>
+            </a:r>
+            <a:r>
+              <a:rPr lang="en-US" sz="1200" kern="1200" baseline="0" dirty="0" err="1" smtClean="0">
+                <a:solidFill>
+                  <a:schemeClr val="tx1"/>
+                </a:solidFill>
+                <a:effectLst/>
+                <a:latin typeface="+mn-lt"/>
+                <a:ea typeface="+mn-ea"/>
+                <a:cs typeface="+mn-cs"/>
+              </a:rPr>
+              <a:t>các</a:t>
+            </a:r>
+            <a:r>
+              <a:rPr lang="en-US" sz="1200" kern="1200" baseline="0" dirty="0" smtClean="0">
+                <a:solidFill>
+                  <a:schemeClr val="tx1"/>
+                </a:solidFill>
+                <a:effectLst/>
+                <a:latin typeface="+mn-lt"/>
+                <a:ea typeface="+mn-ea"/>
+                <a:cs typeface="+mn-cs"/>
+              </a:rPr>
+              <a:t> website </a:t>
+            </a:r>
+            <a:r>
+              <a:rPr lang="en-US" sz="1200" kern="1200" baseline="0" dirty="0" err="1" smtClean="0">
+                <a:solidFill>
+                  <a:schemeClr val="tx1"/>
+                </a:solidFill>
+                <a:effectLst/>
+                <a:latin typeface="+mn-lt"/>
+                <a:ea typeface="+mn-ea"/>
+                <a:cs typeface="+mn-cs"/>
+              </a:rPr>
+              <a:t>đều</a:t>
+            </a:r>
+            <a:r>
+              <a:rPr lang="en-US" sz="1200" kern="1200" baseline="0" dirty="0" smtClean="0">
+                <a:solidFill>
+                  <a:schemeClr val="tx1"/>
+                </a:solidFill>
+                <a:effectLst/>
+                <a:latin typeface="+mn-lt"/>
+                <a:ea typeface="+mn-ea"/>
+                <a:cs typeface="+mn-cs"/>
+              </a:rPr>
+              <a:t> </a:t>
+            </a:r>
+            <a:r>
+              <a:rPr lang="en-US" sz="1200" kern="1200" baseline="0" dirty="0" err="1" smtClean="0">
+                <a:solidFill>
+                  <a:schemeClr val="tx1"/>
+                </a:solidFill>
+                <a:effectLst/>
+                <a:latin typeface="+mn-lt"/>
+                <a:ea typeface="+mn-ea"/>
+                <a:cs typeface="+mn-cs"/>
+              </a:rPr>
+              <a:t>dễ</a:t>
+            </a:r>
+            <a:r>
+              <a:rPr lang="en-US" sz="1200" kern="1200" baseline="0" dirty="0" smtClean="0">
+                <a:solidFill>
+                  <a:schemeClr val="tx1"/>
+                </a:solidFill>
+                <a:effectLst/>
+                <a:latin typeface="+mn-lt"/>
+                <a:ea typeface="+mn-ea"/>
+                <a:cs typeface="+mn-cs"/>
+              </a:rPr>
+              <a:t> </a:t>
+            </a:r>
+            <a:r>
+              <a:rPr lang="en-US" sz="1200" kern="1200" baseline="0" dirty="0" err="1" smtClean="0">
+                <a:solidFill>
+                  <a:schemeClr val="tx1"/>
+                </a:solidFill>
+                <a:effectLst/>
+                <a:latin typeface="+mn-lt"/>
+                <a:ea typeface="+mn-ea"/>
+                <a:cs typeface="+mn-cs"/>
+              </a:rPr>
+              <a:t>dàng</a:t>
+            </a:r>
+            <a:r>
+              <a:rPr lang="en-US" sz="1200" kern="1200" baseline="0" dirty="0" smtClean="0">
+                <a:solidFill>
+                  <a:schemeClr val="tx1"/>
+                </a:solidFill>
+                <a:effectLst/>
+                <a:latin typeface="+mn-lt"/>
+                <a:ea typeface="+mn-ea"/>
+                <a:cs typeface="+mn-cs"/>
+              </a:rPr>
+              <a:t> </a:t>
+            </a:r>
+            <a:r>
+              <a:rPr lang="en-US" sz="1200" kern="1200" baseline="0" dirty="0" err="1" smtClean="0">
+                <a:solidFill>
+                  <a:schemeClr val="tx1"/>
+                </a:solidFill>
+                <a:effectLst/>
+                <a:latin typeface="+mn-lt"/>
+                <a:ea typeface="+mn-ea"/>
+                <a:cs typeface="+mn-cs"/>
+              </a:rPr>
+              <a:t>tìm</a:t>
+            </a:r>
+            <a:r>
+              <a:rPr lang="en-US" sz="1200" kern="1200" baseline="0" dirty="0" smtClean="0">
+                <a:solidFill>
+                  <a:schemeClr val="tx1"/>
+                </a:solidFill>
+                <a:effectLst/>
+                <a:latin typeface="+mn-lt"/>
+                <a:ea typeface="+mn-ea"/>
+                <a:cs typeface="+mn-cs"/>
+              </a:rPr>
+              <a:t> </a:t>
+            </a:r>
+            <a:r>
+              <a:rPr lang="en-US" sz="1200" kern="1200" baseline="0" dirty="0" err="1" smtClean="0">
+                <a:solidFill>
+                  <a:schemeClr val="tx1"/>
+                </a:solidFill>
+                <a:effectLst/>
+                <a:latin typeface="+mn-lt"/>
+                <a:ea typeface="+mn-ea"/>
+                <a:cs typeface="+mn-cs"/>
+              </a:rPr>
+              <a:t>kiếm</a:t>
+            </a:r>
+            <a:r>
+              <a:rPr lang="en-US" sz="1200" kern="1200" baseline="0" dirty="0" smtClean="0">
+                <a:solidFill>
+                  <a:schemeClr val="tx1"/>
+                </a:solidFill>
+                <a:effectLst/>
+                <a:latin typeface="+mn-lt"/>
+                <a:ea typeface="+mn-ea"/>
+                <a:cs typeface="+mn-cs"/>
+              </a:rPr>
+              <a:t> </a:t>
+            </a:r>
+            <a:r>
+              <a:rPr lang="en-US" sz="1200" kern="1200" baseline="0" dirty="0" err="1" smtClean="0">
+                <a:solidFill>
+                  <a:schemeClr val="tx1"/>
+                </a:solidFill>
+                <a:effectLst/>
+                <a:latin typeface="+mn-lt"/>
+                <a:ea typeface="+mn-ea"/>
+                <a:cs typeface="+mn-cs"/>
+              </a:rPr>
+              <a:t>trên</a:t>
+            </a:r>
+            <a:r>
+              <a:rPr lang="en-US" sz="1200" kern="1200" baseline="0" dirty="0" smtClean="0">
+                <a:solidFill>
+                  <a:schemeClr val="tx1"/>
+                </a:solidFill>
+                <a:effectLst/>
+                <a:latin typeface="+mn-lt"/>
+                <a:ea typeface="+mn-ea"/>
+                <a:cs typeface="+mn-cs"/>
+              </a:rPr>
+              <a:t> </a:t>
+            </a:r>
+            <a:r>
+              <a:rPr lang="en-US" sz="1200" kern="1200" baseline="0" dirty="0" err="1" smtClean="0">
+                <a:solidFill>
+                  <a:schemeClr val="tx1"/>
+                </a:solidFill>
+                <a:effectLst/>
+                <a:latin typeface="+mn-lt"/>
+                <a:ea typeface="+mn-ea"/>
+                <a:cs typeface="+mn-cs"/>
+              </a:rPr>
+              <a:t>các</a:t>
+            </a:r>
+            <a:r>
+              <a:rPr lang="en-US" sz="1200" kern="1200" baseline="0" dirty="0" smtClean="0">
+                <a:solidFill>
+                  <a:schemeClr val="tx1"/>
+                </a:solidFill>
+                <a:effectLst/>
+                <a:latin typeface="+mn-lt"/>
+                <a:ea typeface="+mn-ea"/>
+                <a:cs typeface="+mn-cs"/>
+              </a:rPr>
+              <a:t> </a:t>
+            </a:r>
+            <a:r>
+              <a:rPr lang="en-US" sz="1200" kern="1200" baseline="0" dirty="0" err="1" smtClean="0">
+                <a:solidFill>
+                  <a:schemeClr val="tx1"/>
+                </a:solidFill>
+                <a:effectLst/>
+                <a:latin typeface="+mn-lt"/>
+                <a:ea typeface="+mn-ea"/>
+                <a:cs typeface="+mn-cs"/>
+              </a:rPr>
+              <a:t>công</a:t>
+            </a:r>
+            <a:r>
+              <a:rPr lang="en-US" sz="1200" kern="1200" baseline="0" dirty="0" smtClean="0">
+                <a:solidFill>
+                  <a:schemeClr val="tx1"/>
+                </a:solidFill>
+                <a:effectLst/>
+                <a:latin typeface="+mn-lt"/>
+                <a:ea typeface="+mn-ea"/>
+                <a:cs typeface="+mn-cs"/>
+              </a:rPr>
+              <a:t> </a:t>
+            </a:r>
+            <a:r>
+              <a:rPr lang="en-US" sz="1200" kern="1200" baseline="0" dirty="0" err="1" smtClean="0">
+                <a:solidFill>
+                  <a:schemeClr val="tx1"/>
+                </a:solidFill>
+                <a:effectLst/>
+                <a:latin typeface="+mn-lt"/>
+                <a:ea typeface="+mn-ea"/>
+                <a:cs typeface="+mn-cs"/>
+              </a:rPr>
+              <a:t>cụ</a:t>
+            </a:r>
+            <a:r>
+              <a:rPr lang="en-US" sz="1200" kern="1200" baseline="0" dirty="0" smtClean="0">
+                <a:solidFill>
+                  <a:schemeClr val="tx1"/>
+                </a:solidFill>
+                <a:effectLst/>
+                <a:latin typeface="+mn-lt"/>
+                <a:ea typeface="+mn-ea"/>
+                <a:cs typeface="+mn-cs"/>
+              </a:rPr>
+              <a:t> </a:t>
+            </a:r>
+            <a:r>
+              <a:rPr lang="en-US" sz="1200" kern="1200" baseline="0" dirty="0" err="1" smtClean="0">
+                <a:solidFill>
+                  <a:schemeClr val="tx1"/>
+                </a:solidFill>
+                <a:effectLst/>
+                <a:latin typeface="+mn-lt"/>
+                <a:ea typeface="+mn-ea"/>
+                <a:cs typeface="+mn-cs"/>
+              </a:rPr>
+              <a:t>tìm</a:t>
+            </a:r>
+            <a:r>
+              <a:rPr lang="en-US" sz="1200" kern="1200" baseline="0" dirty="0" smtClean="0">
+                <a:solidFill>
+                  <a:schemeClr val="tx1"/>
+                </a:solidFill>
+                <a:effectLst/>
+                <a:latin typeface="+mn-lt"/>
+                <a:ea typeface="+mn-ea"/>
+                <a:cs typeface="+mn-cs"/>
+              </a:rPr>
+              <a:t> </a:t>
+            </a:r>
+            <a:r>
+              <a:rPr lang="en-US" sz="1200" kern="1200" baseline="0" dirty="0" err="1" smtClean="0">
+                <a:solidFill>
+                  <a:schemeClr val="tx1"/>
+                </a:solidFill>
+                <a:effectLst/>
+                <a:latin typeface="+mn-lt"/>
+                <a:ea typeface="+mn-ea"/>
+                <a:cs typeface="+mn-cs"/>
+              </a:rPr>
+              <a:t>kiếm</a:t>
+            </a:r>
+            <a:endParaRPr lang="en-US" sz="1200" kern="1200" baseline="0" dirty="0" smtClean="0">
+              <a:solidFill>
+                <a:schemeClr val="tx1"/>
+              </a:solidFill>
+              <a:effectLst/>
+              <a:latin typeface="+mn-lt"/>
+              <a:ea typeface="+mn-ea"/>
+              <a:cs typeface="+mn-cs"/>
+            </a:endParaRPr>
+          </a:p>
+          <a:p>
             <a:endParaRPr lang="en-US" sz="1200" kern="1200" dirty="0">
               <a:solidFill>
                 <a:schemeClr val="tx1"/>
@@ -782,6 +2259,90 @@
     <p:extLst>
       <p:ext uri="{BB962C8B-B14F-4D97-AF65-F5344CB8AC3E}">
         <p14:creationId xmlns:p14="http://schemas.microsoft.com/office/powerpoint/2010/main" val="4009884712"/>
+      </p:ext>
+    </p:extLst>
+  </p:cSld>
+  <p:clrMapOvr>
+    <a:masterClrMapping/>
+  </p:clrMapOvr>
+</p:notes>
+</file>
+
+<file path=ppt/notesSlides/notesSlide4.xml><?xml version="1.0" encoding="utf-8"?>
+<p:notes xmlns:a="http://schemas.openxmlformats.org/drawingml/2006/main" xmlns:r="http://schemas.openxmlformats.org/officeDocument/2006/relationships" xmlns:p="http://schemas.openxmlformats.org/presentationml/2006/main">
+  <p:cSld>
+    <p:spTree>
+      <p:nvGrpSpPr>
+        <p:cNvPr id="1" name=""/>
+        <p:cNvGrpSpPr/>
+        <p:nvPr/>
+      </p:nvGrpSpPr>
+      <p:grpSpPr>
+        <a:xfrm>
+          <a:off x="0" y="0"/>
+          <a:ext cx="0" cy="0"/>
+          <a:chOff x="0" y="0"/>
+          <a:chExt cx="0" cy="0"/>
+        </a:xfrm>
+      </p:grpSpPr>
+      <p:sp>
+        <p:nvSpPr>
+          <p:cNvPr id="2" name="Slide Image Placeholder 1"/>
+          <p:cNvSpPr>
+            <a:spLocks noGrp="1" noRot="1" noChangeAspect="1"/>
+          </p:cNvSpPr>
+          <p:nvPr>
+            <p:ph type="sldImg"/>
+          </p:nvPr>
+        </p:nvSpPr>
+        <p:spPr/>
+      </p:sp>
+      <p:sp>
+        <p:nvSpPr>
+          <p:cNvPr id="3" name="Notes Placeholder 2"/>
+          <p:cNvSpPr>
+            <a:spLocks noGrp="1"/>
+          </p:cNvSpPr>
+          <p:nvPr>
+            <p:ph type="body" idx="1"/>
+          </p:nvPr>
+        </p:nvSpPr>
+        <p:spPr/>
+        <p:txBody>
+          <a:bodyPr/>
+          <a:lstStyle/>
+          <a:p>
+            <a:endParaRPr lang="en-US" dirty="0"/>
+          </a:p>
+        </p:txBody>
+      </p:sp>
+      <p:sp>
+        <p:nvSpPr>
+          <p:cNvPr id="4" name="Slide Number Placeholder 3"/>
+          <p:cNvSpPr>
+            <a:spLocks noGrp="1"/>
+          </p:cNvSpPr>
+          <p:nvPr>
+            <p:ph type="sldNum" sz="quarter" idx="10"/>
+          </p:nvPr>
+        </p:nvSpPr>
+        <p:spPr/>
+        <p:txBody>
+          <a:bodyPr/>
+          <a:lstStyle/>
+          <a:p>
+            <a:fld id="{FCEEE5F2-4EF8-4D84-AF6C-2CEBB6E90C8D}" type="slidenum">
+              <a:rPr lang="en-US" smtClean="0"/>
+              <a:t>9</a:t>
+            </a:fld>
+            <a:endParaRPr lang="en-US"/>
+          </a:p>
+        </p:txBody>
+      </p:sp>
+    </p:spTree>
+    <p:extLst>
+      <p:ext uri="{BB962C8B-B14F-4D97-AF65-F5344CB8AC3E}">
+        <p14:creationId xmlns:p14="http://schemas.microsoft.com/office/powerpoint/2010/main" val="338960029"/>
       </p:ext>
     </p:extLst>
   </p:cSld>
@@ -7127,7 +8688,7 @@
         </p:nvSpPr>
         <p:spPr>
           <a:xfrm>
-            <a:off x="6156176" y="4011910"/>
+            <a:off x="5327724" y="4011910"/>
             <a:ext cx="3816276" cy="488816"/>
           </a:xfrm>
         </p:spPr>
@@ -8640,8 +10201,8 @@
         </p:nvSpPr>
         <p:spPr>
           <a:xfrm>
-            <a:off x="755576" y="1419622"/>
-            <a:ext cx="2448272" cy="2462213"/>
+            <a:off x="683568" y="1419622"/>
+            <a:ext cx="2376264" cy="2800767"/>
           </a:xfrm>
           <a:prstGeom prst="rect">
             <a:avLst/>
@@ -8930,19 +10491,64 @@
           </a:p>
           <a:p>
             <a:r>
-              <a:rPr lang="vi-VN" sz="1400" dirty="0">
+              <a:rPr lang="vi-VN" sz="1600" dirty="0">
                 <a:solidFill>
                   <a:schemeClr val="bg1"/>
                 </a:solidFill>
-                <a:latin typeface="+mj-lt"/>
-              </a:rPr>
-              <a:t>102B Tăng Nhơn Phú, Phường Tăng Nhơn Phú B, Quận 9, TP.HCM.</a:t>
-            </a:r>
-            <a:endParaRPr lang="en-US" sz="1400" dirty="0">
+              </a:rPr>
+              <a:t>Lô 09, Tòa nhà 4S Riverside Garden, Đường </a:t>
+            </a:r>
+            <a:endParaRPr lang="en-US" sz="1600" dirty="0" smtClean="0">
               <a:solidFill>
                 <a:schemeClr val="bg1"/>
               </a:solidFill>
-              <a:latin typeface="+mj-lt"/>
+            </a:endParaRPr>
+          </a:p>
+          <a:p>
+            <a:r>
+              <a:rPr lang="vi-VN" sz="1600" dirty="0" smtClean="0">
+                <a:solidFill>
+                  <a:schemeClr val="bg1"/>
+                </a:solidFill>
+              </a:rPr>
+              <a:t>Số </a:t>
+            </a:r>
+            <a:r>
+              <a:rPr lang="vi-VN" sz="1600" dirty="0">
+                <a:solidFill>
+                  <a:schemeClr val="bg1"/>
+                </a:solidFill>
+              </a:rPr>
+              <a:t>17, Hiệp Bình </a:t>
+            </a:r>
+            <a:r>
+              <a:rPr lang="vi-VN" sz="1600" dirty="0" smtClean="0">
+                <a:solidFill>
+                  <a:schemeClr val="bg1"/>
+                </a:solidFill>
+              </a:rPr>
+              <a:t>Chánh </a:t>
+            </a:r>
+            <a:r>
+              <a:rPr lang="vi-VN" sz="1600" dirty="0">
+                <a:solidFill>
+                  <a:schemeClr val="bg1"/>
+                </a:solidFill>
+              </a:rPr>
+              <a:t>Thủ Đức</a:t>
+            </a:r>
+            <a:r>
+              <a:rPr lang="vi-VN" sz="1600" dirty="0" smtClean="0">
+                <a:solidFill>
+                  <a:schemeClr val="bg1"/>
+                </a:solidFill>
+              </a:rPr>
+              <a:t>.</a:t>
+            </a:r>
+            <a:endParaRPr lang="en-US" sz="1600" dirty="0" smtClean="0">
+              <a:solidFill>
+                <a:schemeClr val="bg1"/>
+              </a:solidFill>
             </a:endParaRPr>
           </a:p>
         </p:txBody>
@@ -9157,11 +10763,7 @@
             </a:pPr>
             <a:r>
               <a:rPr lang="en-US" dirty="0" smtClean="0"/>
-              <a:t>SEO – </a:t>
-            </a:r>
-            <a:r>
-              <a:rPr lang="en-US" dirty="0" smtClean="0"/>
-              <a:t>Marketing</a:t>
+              <a:t>SEO – Marketing</a:t>
             </a:r>
           </a:p>
           <a:p>
@@ -11491,7 +13093,7 @@
         <p:spPr>
           <a:xfrm>
             <a:off x="6372200" y="1563638"/>
-            <a:ext cx="2448272" cy="1631216"/>
+            <a:ext cx="2448272" cy="1908215"/>
           </a:xfrm>
           <a:prstGeom prst="rect">
             <a:avLst/>
@@ -11583,6 +13185,76 @@
                 </a:solidFill>
               </a:rPr>
               <a:t>Photoshop</a:t>
+            </a:r>
+          </a:p>
+          <a:p>
+            <a:pPr marL="171450" indent="-171450" algn="just">
+              <a:buFont typeface="Wingdings" panose="05000000000000000000" pitchFamily="2" charset="2"/>
+              <a:buChar char="v"/>
+            </a:pPr>
+            <a:r>
+              <a:rPr lang="en-US" dirty="0" err="1" smtClean="0">
+                <a:solidFill>
+                  <a:schemeClr val="bg1"/>
+                </a:solidFill>
+              </a:rPr>
+              <a:t>Kỹ</a:t>
+            </a:r>
+            <a:r>
+              <a:rPr lang="en-US" dirty="0" smtClean="0">
+                <a:solidFill>
+                  <a:schemeClr val="bg1"/>
+                </a:solidFill>
+              </a:rPr>
+              <a:t> </a:t>
+            </a:r>
+            <a:r>
+              <a:rPr lang="en-US" dirty="0" err="1" smtClean="0">
+                <a:solidFill>
+                  <a:schemeClr val="bg1"/>
+                </a:solidFill>
+              </a:rPr>
+              <a:t>thuật</a:t>
+            </a:r>
+            <a:r>
+              <a:rPr lang="en-US" dirty="0" smtClean="0">
+                <a:solidFill>
+                  <a:schemeClr val="bg1"/>
+                </a:solidFill>
+              </a:rPr>
+              <a:t> </a:t>
+            </a:r>
+            <a:r>
+              <a:rPr lang="en-US" dirty="0" err="1" smtClean="0">
+                <a:solidFill>
+                  <a:schemeClr val="bg1"/>
+                </a:solidFill>
+              </a:rPr>
+              <a:t>kiểm</a:t>
+            </a:r>
+            <a:r>
+              <a:rPr lang="en-US" dirty="0" smtClean="0">
+                <a:solidFill>
+                  <a:schemeClr val="bg1"/>
+                </a:solidFill>
+              </a:rPr>
+              <a:t> </a:t>
+            </a:r>
+            <a:r>
+              <a:rPr lang="en-US" dirty="0" err="1" smtClean="0">
+                <a:solidFill>
+                  <a:schemeClr val="bg1"/>
+                </a:solidFill>
+              </a:rPr>
+              <a:t>thử</a:t>
+            </a:r>
+            <a:r>
+              <a:rPr lang="en-US" dirty="0" smtClean="0">
+                <a:solidFill>
+                  <a:schemeClr val="bg1"/>
+                </a:solidFill>
+              </a:rPr>
+              <a:t> </a:t>
             </a:r>
             <a:endParaRPr lang="en-US" dirty="0">
               <a:solidFill>
@@ -11741,7 +13413,7 @@
         </p:blipFill>
         <p:spPr>
           <a:xfrm>
-            <a:off x="-29780" y="1"/>
+            <a:off x="0" y="0"/>
             <a:ext cx="5119632" cy="5143500"/>
           </a:xfrm>
           <a:prstGeom prst="rect">
@@ -12482,19 +14154,19 @@
             </a:r>
             <a:r>
               <a:rPr lang="en-US" sz="3200" dirty="0"/>
-              <a:t> và </a:t>
-            </a:r>
-            <a:r>
-              <a:rPr lang="en-US" sz="3200" dirty="0" err="1"/>
-              <a:t>đánh</a:t>
-            </a:r>
-            <a:r>
-              <a:rPr lang="en-US" sz="3200" dirty="0"/>
               <a:t> </a:t>
             </a:r>
             <a:r>
-              <a:rPr lang="en-US" sz="3200" dirty="0" err="1"/>
-              <a:t>giá</a:t>
+              <a:rPr lang="en-US" sz="3200" dirty="0" err="1" smtClean="0"/>
+              <a:t>đạt</a:t>
+            </a:r>
+            <a:r>
+              <a:rPr lang="en-US" sz="3200" dirty="0" smtClean="0"/>
+              <a:t> </a:t>
+            </a:r>
+            <a:r>
+              <a:rPr lang="en-US" sz="3200" dirty="0" err="1" smtClean="0"/>
+              <a:t>được</a:t>
             </a:r>
             <a:endParaRPr lang="en-US" sz="3200" dirty="0"/>
           </a:p>
